--- a/unit_2/Design1.pptx
+++ b/unit_2/Design1.pptx
@@ -6,6 +6,9 @@
   </p:sldMasterIdLst>
   <p:sldIdLst>
     <p:sldId id="256" r:id="rId2"/>
+    <p:sldId id="257" r:id="rId3"/>
+    <p:sldId id="258" r:id="rId4"/>
+    <p:sldId id="259" r:id="rId5"/>
   </p:sldIdLst>
   <p:sldSz cx="9144000" cy="6858000" type="screen4x3"/>
   <p:notesSz cx="6858000" cy="9144000"/>
@@ -288,7 +291,7 @@
           <a:p>
             <a:fld id="{55C7636B-0BF7-8647-9F25-DEC152C6C0EC}" type="datetimeFigureOut">
               <a:rPr lang="en-US" smtClean="0"/>
-              <a:t>9/8/15</a:t>
+              <a:t>9/9/15</a:t>
             </a:fld>
             <a:endParaRPr lang="en-US"/>
           </a:p>
@@ -458,7 +461,7 @@
           <a:p>
             <a:fld id="{55C7636B-0BF7-8647-9F25-DEC152C6C0EC}" type="datetimeFigureOut">
               <a:rPr lang="en-US" smtClean="0"/>
-              <a:t>9/8/15</a:t>
+              <a:t>9/9/15</a:t>
             </a:fld>
             <a:endParaRPr lang="en-US"/>
           </a:p>
@@ -638,7 +641,7 @@
           <a:p>
             <a:fld id="{55C7636B-0BF7-8647-9F25-DEC152C6C0EC}" type="datetimeFigureOut">
               <a:rPr lang="en-US" smtClean="0"/>
-              <a:t>9/8/15</a:t>
+              <a:t>9/9/15</a:t>
             </a:fld>
             <a:endParaRPr lang="en-US"/>
           </a:p>
@@ -808,7 +811,7 @@
           <a:p>
             <a:fld id="{55C7636B-0BF7-8647-9F25-DEC152C6C0EC}" type="datetimeFigureOut">
               <a:rPr lang="en-US" smtClean="0"/>
-              <a:t>9/8/15</a:t>
+              <a:t>9/9/15</a:t>
             </a:fld>
             <a:endParaRPr lang="en-US"/>
           </a:p>
@@ -1054,7 +1057,7 @@
           <a:p>
             <a:fld id="{55C7636B-0BF7-8647-9F25-DEC152C6C0EC}" type="datetimeFigureOut">
               <a:rPr lang="en-US" smtClean="0"/>
-              <a:t>9/8/15</a:t>
+              <a:t>9/9/15</a:t>
             </a:fld>
             <a:endParaRPr lang="en-US"/>
           </a:p>
@@ -1342,7 +1345,7 @@
           <a:p>
             <a:fld id="{55C7636B-0BF7-8647-9F25-DEC152C6C0EC}" type="datetimeFigureOut">
               <a:rPr lang="en-US" smtClean="0"/>
-              <a:t>9/8/15</a:t>
+              <a:t>9/9/15</a:t>
             </a:fld>
             <a:endParaRPr lang="en-US"/>
           </a:p>
@@ -1764,7 +1767,7 @@
           <a:p>
             <a:fld id="{55C7636B-0BF7-8647-9F25-DEC152C6C0EC}" type="datetimeFigureOut">
               <a:rPr lang="en-US" smtClean="0"/>
-              <a:t>9/8/15</a:t>
+              <a:t>9/9/15</a:t>
             </a:fld>
             <a:endParaRPr lang="en-US"/>
           </a:p>
@@ -1882,7 +1885,7 @@
           <a:p>
             <a:fld id="{55C7636B-0BF7-8647-9F25-DEC152C6C0EC}" type="datetimeFigureOut">
               <a:rPr lang="en-US" smtClean="0"/>
-              <a:t>9/8/15</a:t>
+              <a:t>9/9/15</a:t>
             </a:fld>
             <a:endParaRPr lang="en-US"/>
           </a:p>
@@ -1977,7 +1980,7 @@
           <a:p>
             <a:fld id="{55C7636B-0BF7-8647-9F25-DEC152C6C0EC}" type="datetimeFigureOut">
               <a:rPr lang="en-US" smtClean="0"/>
-              <a:t>9/8/15</a:t>
+              <a:t>9/9/15</a:t>
             </a:fld>
             <a:endParaRPr lang="en-US"/>
           </a:p>
@@ -2254,7 +2257,7 @@
           <a:p>
             <a:fld id="{55C7636B-0BF7-8647-9F25-DEC152C6C0EC}" type="datetimeFigureOut">
               <a:rPr lang="en-US" smtClean="0"/>
-              <a:t>9/8/15</a:t>
+              <a:t>9/9/15</a:t>
             </a:fld>
             <a:endParaRPr lang="en-US"/>
           </a:p>
@@ -2507,7 +2510,7 @@
           <a:p>
             <a:fld id="{55C7636B-0BF7-8647-9F25-DEC152C6C0EC}" type="datetimeFigureOut">
               <a:rPr lang="en-US" smtClean="0"/>
-              <a:t>9/8/15</a:t>
+              <a:t>9/9/15</a:t>
             </a:fld>
             <a:endParaRPr lang="en-US"/>
           </a:p>
@@ -2720,7 +2723,7 @@
           <a:p>
             <a:fld id="{55C7636B-0BF7-8647-9F25-DEC152C6C0EC}" type="datetimeFigureOut">
               <a:rPr lang="en-US" smtClean="0"/>
-              <a:t>9/8/15</a:t>
+              <a:t>9/9/15</a:t>
             </a:fld>
             <a:endParaRPr lang="en-US"/>
           </a:p>
@@ -3110,8 +3113,8 @@
             <a:avLst/>
           </a:prstGeom>
           <a:solidFill>
-            <a:schemeClr val="bg1">
-              <a:lumMod val="65000"/>
+            <a:schemeClr val="accent4">
+              <a:lumMod val="75000"/>
             </a:schemeClr>
           </a:solidFill>
           <a:ln>
@@ -3156,8 +3159,9 @@
             <a:avLst/>
           </a:prstGeom>
           <a:solidFill>
-            <a:schemeClr val="bg1">
-              <a:lumMod val="75000"/>
+            <a:schemeClr val="accent5">
+              <a:lumMod val="60000"/>
+              <a:lumOff val="40000"/>
             </a:schemeClr>
           </a:solidFill>
           <a:ln>
@@ -3355,7 +3359,7 @@
         <p:spPr>
           <a:xfrm>
             <a:off x="1488443" y="555585"/>
-            <a:ext cx="1467657" cy="1569661"/>
+            <a:ext cx="1634036" cy="1569661"/>
           </a:xfrm>
           <a:prstGeom prst="rect">
             <a:avLst/>
@@ -3373,6 +3377,8 @@
                 <a:solidFill>
                   <a:schemeClr val="bg1"/>
                 </a:solidFill>
+                <a:latin typeface="Avenir Heavy"/>
+                <a:cs typeface="Avenir Heavy"/>
               </a:rPr>
               <a:t>Bilingual</a:t>
             </a:r>
@@ -3383,6 +3389,8 @@
                 <a:solidFill>
                   <a:schemeClr val="bg1"/>
                 </a:solidFill>
+                <a:latin typeface="Avenir Heavy"/>
+                <a:cs typeface="Avenir Heavy"/>
               </a:rPr>
               <a:t>Psychological </a:t>
             </a:r>
@@ -3393,6 +3401,8 @@
                 <a:solidFill>
                   <a:schemeClr val="bg1"/>
                 </a:solidFill>
+                <a:latin typeface="Avenir Heavy"/>
+                <a:cs typeface="Avenir Heavy"/>
               </a:rPr>
               <a:t>Services</a:t>
             </a:r>
@@ -3402,6 +3412,8 @@
               <a:solidFill>
                 <a:schemeClr val="bg1"/>
               </a:solidFill>
+              <a:latin typeface="Avenir Heavy"/>
+              <a:cs typeface="Avenir Heavy"/>
             </a:endParaRPr>
           </a:p>
           <a:p>
@@ -3410,16 +3422,20 @@
                 <a:solidFill>
                   <a:schemeClr val="bg1"/>
                 </a:solidFill>
+                <a:latin typeface="Avenir Heavy"/>
+                <a:cs typeface="Avenir Heavy"/>
               </a:rPr>
               <a:t>English</a:t>
             </a:r>
           </a:p>
           <a:p>
             <a:r>
-              <a:rPr lang="en-US" sz="1400" b="1" dirty="0" err="1" smtClean="0">
+              <a:rPr lang="en-US" sz="1400" b="1" dirty="0" smtClean="0">
                 <a:solidFill>
                   <a:schemeClr val="bg1"/>
                 </a:solidFill>
+                <a:latin typeface="Avenir Heavy"/>
+                <a:cs typeface="Avenir Heavy"/>
               </a:rPr>
               <a:t>Español</a:t>
             </a:r>
@@ -3427,6 +3443,8 @@
               <a:solidFill>
                 <a:schemeClr val="bg1"/>
               </a:solidFill>
+              <a:latin typeface="Avenir Heavy"/>
+              <a:cs typeface="Avenir Heavy"/>
             </a:endParaRPr>
           </a:p>
         </p:txBody>
@@ -3670,15 +3688,625 @@
                   <a:schemeClr val="bg1"/>
                 </a:solidFill>
               </a:rPr>
-              <a:t>Meet </a:t>
-            </a:r>
-            <a:r>
-              <a:rPr lang="en-US" sz="1000" b="1" dirty="0" err="1" smtClean="0">
+              <a:t>Meet Nelida</a:t>
+            </a:r>
+            <a:endParaRPr lang="en-US" sz="1000" dirty="0"/>
+          </a:p>
+        </p:txBody>
+      </p:sp>
+    </p:spTree>
+    <p:extLst>
+      <p:ext uri="{BB962C8B-B14F-4D97-AF65-F5344CB8AC3E}">
+        <p14:creationId xmlns:p14="http://schemas.microsoft.com/office/powerpoint/2010/main" val="919283881"/>
+      </p:ext>
+    </p:extLst>
+  </p:cSld>
+  <p:clrMapOvr>
+    <a:masterClrMapping/>
+  </p:clrMapOvr>
+  <p:timing>
+    <p:tnLst>
+      <p:par>
+        <p:cTn xmlns:p14="http://schemas.microsoft.com/office/powerpoint/2010/main" id="1" dur="indefinite" restart="never" nodeType="tmRoot"/>
+      </p:par>
+    </p:tnLst>
+  </p:timing>
+</p:sld>
+</file>
+
+<file path=ppt/slides/slide2.xml><?xml version="1.0" encoding="utf-8"?>
+<p:sld xmlns:a="http://schemas.openxmlformats.org/drawingml/2006/main" xmlns:r="http://schemas.openxmlformats.org/officeDocument/2006/relationships" xmlns:p="http://schemas.openxmlformats.org/presentationml/2006/main">
+  <p:cSld>
+    <p:spTree>
+      <p:nvGrpSpPr>
+        <p:cNvPr id="1" name=""/>
+        <p:cNvGrpSpPr/>
+        <p:nvPr/>
+      </p:nvGrpSpPr>
+      <p:grpSpPr>
+        <a:xfrm>
+          <a:off x="0" y="0"/>
+          <a:ext cx="0" cy="0"/>
+          <a:chOff x="0" y="0"/>
+          <a:chExt cx="0" cy="0"/>
+        </a:xfrm>
+      </p:grpSpPr>
+      <p:sp>
+        <p:nvSpPr>
+          <p:cNvPr id="4" name="Rectangle 3"/>
+          <p:cNvSpPr/>
+          <p:nvPr/>
+        </p:nvSpPr>
+        <p:spPr>
+          <a:xfrm>
+            <a:off x="1051833" y="218265"/>
+            <a:ext cx="3850105" cy="6428910"/>
+          </a:xfrm>
+          <a:prstGeom prst="rect">
+            <a:avLst/>
+          </a:prstGeom>
+          <a:solidFill>
+            <a:schemeClr val="bg1">
+              <a:lumMod val="65000"/>
+            </a:schemeClr>
+          </a:solidFill>
+          <a:ln>
+            <a:noFill/>
+          </a:ln>
+        </p:spPr>
+        <p:style>
+          <a:lnRef idx="1">
+            <a:schemeClr val="accent1"/>
+          </a:lnRef>
+          <a:fillRef idx="3">
+            <a:schemeClr val="accent1"/>
+          </a:fillRef>
+          <a:effectRef idx="2">
+            <a:schemeClr val="accent1"/>
+          </a:effectRef>
+          <a:fontRef idx="minor">
+            <a:schemeClr val="lt1"/>
+          </a:fontRef>
+        </p:style>
+        <p:txBody>
+          <a:bodyPr rtlCol="0" anchor="ctr"/>
+          <a:lstStyle/>
+          <a:p>
+            <a:pPr algn="ctr"/>
+            <a:endParaRPr lang="en-US" dirty="0"/>
+          </a:p>
+        </p:txBody>
+      </p:sp>
+      <p:sp>
+        <p:nvSpPr>
+          <p:cNvPr id="5" name="Rectangle 4"/>
+          <p:cNvSpPr/>
+          <p:nvPr/>
+        </p:nvSpPr>
+        <p:spPr>
+          <a:xfrm>
+            <a:off x="1051832" y="2519147"/>
+            <a:ext cx="3850105" cy="2243008"/>
+          </a:xfrm>
+          <a:prstGeom prst="rect">
+            <a:avLst/>
+          </a:prstGeom>
+          <a:solidFill>
+            <a:schemeClr val="bg1">
+              <a:lumMod val="75000"/>
+            </a:schemeClr>
+          </a:solidFill>
+          <a:ln>
+            <a:noFill/>
+          </a:ln>
+        </p:spPr>
+        <p:style>
+          <a:lnRef idx="1">
+            <a:schemeClr val="accent1"/>
+          </a:lnRef>
+          <a:fillRef idx="3">
+            <a:schemeClr val="accent1"/>
+          </a:fillRef>
+          <a:effectRef idx="2">
+            <a:schemeClr val="accent1"/>
+          </a:effectRef>
+          <a:fontRef idx="minor">
+            <a:schemeClr val="lt1"/>
+          </a:fontRef>
+        </p:style>
+        <p:txBody>
+          <a:bodyPr rtlCol="0" anchor="ctr"/>
+          <a:lstStyle/>
+          <a:p>
+            <a:pPr algn="ctr"/>
+            <a:endParaRPr lang="en-US"/>
+          </a:p>
+        </p:txBody>
+      </p:sp>
+      <p:sp>
+        <p:nvSpPr>
+          <p:cNvPr id="6" name="Oval 5"/>
+          <p:cNvSpPr/>
+          <p:nvPr/>
+        </p:nvSpPr>
+        <p:spPr>
+          <a:xfrm>
+            <a:off x="1885361" y="3350182"/>
+            <a:ext cx="555584" cy="555584"/>
+          </a:xfrm>
+          <a:prstGeom prst="ellipse">
+            <a:avLst/>
+          </a:prstGeom>
+          <a:solidFill>
+            <a:schemeClr val="bg1"/>
+          </a:solidFill>
+        </p:spPr>
+        <p:style>
+          <a:lnRef idx="1">
+            <a:schemeClr val="accent1"/>
+          </a:lnRef>
+          <a:fillRef idx="3">
+            <a:schemeClr val="accent1"/>
+          </a:fillRef>
+          <a:effectRef idx="2">
+            <a:schemeClr val="accent1"/>
+          </a:effectRef>
+          <a:fontRef idx="minor">
+            <a:schemeClr val="lt1"/>
+          </a:fontRef>
+        </p:style>
+        <p:txBody>
+          <a:bodyPr rtlCol="0" anchor="ctr"/>
+          <a:lstStyle/>
+          <a:p>
+            <a:pPr algn="ctr"/>
+            <a:r>
+              <a:rPr lang="en-US" sz="700" dirty="0" smtClean="0">
+                <a:solidFill>
+                  <a:schemeClr val="tx1"/>
+                </a:solidFill>
+              </a:rPr>
+              <a:t>Video Intro</a:t>
+            </a:r>
+            <a:endParaRPr lang="en-US" sz="700" dirty="0">
+              <a:solidFill>
+                <a:schemeClr val="tx1"/>
+              </a:solidFill>
+            </a:endParaRPr>
+          </a:p>
+        </p:txBody>
+      </p:sp>
+      <p:sp>
+        <p:nvSpPr>
+          <p:cNvPr id="7" name="Oval 6"/>
+          <p:cNvSpPr/>
+          <p:nvPr/>
+        </p:nvSpPr>
+        <p:spPr>
+          <a:xfrm>
+            <a:off x="2699092" y="3350182"/>
+            <a:ext cx="555584" cy="555584"/>
+          </a:xfrm>
+          <a:prstGeom prst="ellipse">
+            <a:avLst/>
+          </a:prstGeom>
+          <a:solidFill>
+            <a:schemeClr val="bg1"/>
+          </a:solidFill>
+        </p:spPr>
+        <p:style>
+          <a:lnRef idx="1">
+            <a:schemeClr val="accent1"/>
+          </a:lnRef>
+          <a:fillRef idx="3">
+            <a:schemeClr val="accent1"/>
+          </a:fillRef>
+          <a:effectRef idx="2">
+            <a:schemeClr val="accent1"/>
+          </a:effectRef>
+          <a:fontRef idx="minor">
+            <a:schemeClr val="lt1"/>
+          </a:fontRef>
+        </p:style>
+        <p:txBody>
+          <a:bodyPr rtlCol="0" anchor="ctr"/>
+          <a:lstStyle/>
+          <a:p>
+            <a:pPr algn="ctr"/>
+            <a:r>
+              <a:rPr lang="en-US" sz="700" dirty="0" smtClean="0">
+                <a:solidFill>
+                  <a:schemeClr val="tx1"/>
+                </a:solidFill>
+              </a:rPr>
+              <a:t>Video Intro</a:t>
+            </a:r>
+            <a:endParaRPr lang="en-US" sz="700" dirty="0">
+              <a:solidFill>
+                <a:schemeClr val="tx1"/>
+              </a:solidFill>
+            </a:endParaRPr>
+          </a:p>
+        </p:txBody>
+      </p:sp>
+      <p:sp>
+        <p:nvSpPr>
+          <p:cNvPr id="8" name="Oval 7"/>
+          <p:cNvSpPr/>
+          <p:nvPr/>
+        </p:nvSpPr>
+        <p:spPr>
+          <a:xfrm>
+            <a:off x="3499992" y="3350182"/>
+            <a:ext cx="555584" cy="555584"/>
+          </a:xfrm>
+          <a:prstGeom prst="ellipse">
+            <a:avLst/>
+          </a:prstGeom>
+          <a:solidFill>
+            <a:schemeClr val="bg1"/>
+          </a:solidFill>
+        </p:spPr>
+        <p:style>
+          <a:lnRef idx="1">
+            <a:schemeClr val="accent1"/>
+          </a:lnRef>
+          <a:fillRef idx="3">
+            <a:schemeClr val="accent1"/>
+          </a:fillRef>
+          <a:effectRef idx="2">
+            <a:schemeClr val="accent1"/>
+          </a:effectRef>
+          <a:fontRef idx="minor">
+            <a:schemeClr val="lt1"/>
+          </a:fontRef>
+        </p:style>
+        <p:txBody>
+          <a:bodyPr rtlCol="0" anchor="ctr"/>
+          <a:lstStyle/>
+          <a:p>
+            <a:pPr algn="ctr"/>
+            <a:r>
+              <a:rPr lang="en-US" sz="700" dirty="0" smtClean="0">
+                <a:solidFill>
+                  <a:schemeClr val="tx1"/>
+                </a:solidFill>
+              </a:rPr>
+              <a:t>Video Intro</a:t>
+            </a:r>
+            <a:endParaRPr lang="en-US" sz="700" dirty="0">
+              <a:solidFill>
+                <a:schemeClr val="tx1"/>
+              </a:solidFill>
+            </a:endParaRPr>
+          </a:p>
+        </p:txBody>
+      </p:sp>
+      <p:sp>
+        <p:nvSpPr>
+          <p:cNvPr id="9" name="TextBox 8"/>
+          <p:cNvSpPr txBox="1"/>
+          <p:nvPr/>
+        </p:nvSpPr>
+        <p:spPr>
+          <a:xfrm>
+            <a:off x="1488443" y="555585"/>
+            <a:ext cx="1467657" cy="1569661"/>
+          </a:xfrm>
+          <a:prstGeom prst="rect">
+            <a:avLst/>
+          </a:prstGeom>
+          <a:noFill/>
+        </p:spPr>
+        <p:txBody>
+          <a:bodyPr wrap="none" rtlCol="0">
+            <a:spAutoFit/>
+          </a:bodyPr>
+          <a:lstStyle/>
+          <a:p>
+            <a:r>
+              <a:rPr lang="en-US" b="1" dirty="0" smtClean="0">
                 <a:solidFill>
                   <a:schemeClr val="bg1"/>
                 </a:solidFill>
               </a:rPr>
-              <a:t>Nelida</a:t>
+              <a:t>Bilingual</a:t>
+            </a:r>
+          </a:p>
+          <a:p>
+            <a:r>
+              <a:rPr lang="en-US" b="1" dirty="0" smtClean="0">
+                <a:solidFill>
+                  <a:schemeClr val="bg1"/>
+                </a:solidFill>
+              </a:rPr>
+              <a:t>Psychological </a:t>
+            </a:r>
+          </a:p>
+          <a:p>
+            <a:r>
+              <a:rPr lang="en-US" b="1" dirty="0" smtClean="0">
+                <a:solidFill>
+                  <a:schemeClr val="bg1"/>
+                </a:solidFill>
+              </a:rPr>
+              <a:t>Services</a:t>
+            </a:r>
+          </a:p>
+          <a:p>
+            <a:endParaRPr lang="en-US" sz="1400" b="1" dirty="0">
+              <a:solidFill>
+                <a:schemeClr val="bg1"/>
+              </a:solidFill>
+            </a:endParaRPr>
+          </a:p>
+          <a:p>
+            <a:r>
+              <a:rPr lang="en-US" sz="1400" b="1" dirty="0" smtClean="0">
+                <a:solidFill>
+                  <a:schemeClr val="bg1"/>
+                </a:solidFill>
+              </a:rPr>
+              <a:t>English</a:t>
+            </a:r>
+          </a:p>
+          <a:p>
+            <a:r>
+              <a:rPr lang="en-US" sz="1400" b="1" dirty="0" smtClean="0">
+                <a:solidFill>
+                  <a:schemeClr val="bg1"/>
+                </a:solidFill>
+              </a:rPr>
+              <a:t>Español</a:t>
+            </a:r>
+            <a:endParaRPr lang="en-US" sz="1400" b="1" dirty="0">
+              <a:solidFill>
+                <a:schemeClr val="bg1"/>
+              </a:solidFill>
+            </a:endParaRPr>
+          </a:p>
+        </p:txBody>
+      </p:sp>
+      <p:sp>
+        <p:nvSpPr>
+          <p:cNvPr id="10" name="TextBox 9"/>
+          <p:cNvSpPr txBox="1"/>
+          <p:nvPr/>
+        </p:nvSpPr>
+        <p:spPr>
+          <a:xfrm>
+            <a:off x="1521817" y="2712059"/>
+            <a:ext cx="2852063" cy="307777"/>
+          </a:xfrm>
+          <a:prstGeom prst="rect">
+            <a:avLst/>
+          </a:prstGeom>
+          <a:noFill/>
+        </p:spPr>
+        <p:txBody>
+          <a:bodyPr wrap="none" rtlCol="0">
+            <a:spAutoFit/>
+          </a:bodyPr>
+          <a:lstStyle/>
+          <a:p>
+            <a:r>
+              <a:rPr lang="en-US" sz="1400" b="1" dirty="0" smtClean="0">
+                <a:solidFill>
+                  <a:schemeClr val="bg1"/>
+                </a:solidFill>
+              </a:rPr>
+              <a:t>Team of professionals here to help:</a:t>
+            </a:r>
+            <a:endParaRPr lang="en-US" sz="1400" b="1" dirty="0">
+              <a:solidFill>
+                <a:schemeClr val="bg1"/>
+              </a:solidFill>
+            </a:endParaRPr>
+          </a:p>
+        </p:txBody>
+      </p:sp>
+      <p:sp>
+        <p:nvSpPr>
+          <p:cNvPr id="11" name="TextBox 10"/>
+          <p:cNvSpPr txBox="1"/>
+          <p:nvPr/>
+        </p:nvSpPr>
+        <p:spPr>
+          <a:xfrm>
+            <a:off x="3056266" y="5077514"/>
+            <a:ext cx="1745878" cy="1015663"/>
+          </a:xfrm>
+          <a:prstGeom prst="rect">
+            <a:avLst/>
+          </a:prstGeom>
+          <a:noFill/>
+        </p:spPr>
+        <p:txBody>
+          <a:bodyPr wrap="none" rtlCol="0">
+            <a:spAutoFit/>
+          </a:bodyPr>
+          <a:lstStyle/>
+          <a:p>
+            <a:r>
+              <a:rPr lang="en-US" b="1" dirty="0" smtClean="0">
+                <a:solidFill>
+                  <a:schemeClr val="bg1"/>
+                </a:solidFill>
+              </a:rPr>
+              <a:t>Call us:</a:t>
+            </a:r>
+          </a:p>
+          <a:p>
+            <a:r>
+              <a:rPr lang="en-US" sz="1400" b="1" dirty="0" smtClean="0">
+                <a:solidFill>
+                  <a:schemeClr val="bg1"/>
+                </a:solidFill>
+              </a:rPr>
+              <a:t>XXX-XXX-XXXX</a:t>
+            </a:r>
+          </a:p>
+          <a:p>
+            <a:endParaRPr lang="en-US" sz="1400" b="1" dirty="0">
+              <a:solidFill>
+                <a:schemeClr val="bg1"/>
+              </a:solidFill>
+            </a:endParaRPr>
+          </a:p>
+          <a:p>
+            <a:r>
+              <a:rPr lang="en-US" sz="1400" b="1" dirty="0" smtClean="0">
+                <a:solidFill>
+                  <a:schemeClr val="bg1"/>
+                </a:solidFill>
+              </a:rPr>
+              <a:t>Insurances accepted.</a:t>
+            </a:r>
+          </a:p>
+        </p:txBody>
+      </p:sp>
+      <p:sp>
+        <p:nvSpPr>
+          <p:cNvPr id="12" name="Rectangle 11"/>
+          <p:cNvSpPr/>
+          <p:nvPr/>
+        </p:nvSpPr>
+        <p:spPr>
+          <a:xfrm>
+            <a:off x="1488442" y="5178777"/>
+            <a:ext cx="1210649" cy="914400"/>
+          </a:xfrm>
+          <a:prstGeom prst="rect">
+            <a:avLst/>
+          </a:prstGeom>
+          <a:solidFill>
+            <a:srgbClr val="BFBFBF"/>
+          </a:solidFill>
+          <a:ln>
+            <a:noFill/>
+          </a:ln>
+        </p:spPr>
+        <p:style>
+          <a:lnRef idx="1">
+            <a:schemeClr val="accent1"/>
+          </a:lnRef>
+          <a:fillRef idx="3">
+            <a:schemeClr val="accent1"/>
+          </a:fillRef>
+          <a:effectRef idx="2">
+            <a:schemeClr val="accent1"/>
+          </a:effectRef>
+          <a:fontRef idx="minor">
+            <a:schemeClr val="lt1"/>
+          </a:fontRef>
+        </p:style>
+        <p:txBody>
+          <a:bodyPr rtlCol="0" anchor="ctr"/>
+          <a:lstStyle/>
+          <a:p>
+            <a:pPr algn="ctr"/>
+            <a:r>
+              <a:rPr lang="en-US" dirty="0" smtClean="0"/>
+              <a:t>Map</a:t>
+            </a:r>
+            <a:endParaRPr lang="en-US" dirty="0"/>
+          </a:p>
+        </p:txBody>
+      </p:sp>
+      <p:sp>
+        <p:nvSpPr>
+          <p:cNvPr id="14" name="Rectangle 13"/>
+          <p:cNvSpPr/>
+          <p:nvPr/>
+        </p:nvSpPr>
+        <p:spPr>
+          <a:xfrm>
+            <a:off x="1625992" y="4006334"/>
+            <a:ext cx="919668" cy="246221"/>
+          </a:xfrm>
+          <a:prstGeom prst="rect">
+            <a:avLst/>
+          </a:prstGeom>
+        </p:spPr>
+        <p:txBody>
+          <a:bodyPr wrap="none">
+            <a:spAutoFit/>
+          </a:bodyPr>
+          <a:lstStyle/>
+          <a:p>
+            <a:r>
+              <a:rPr lang="en-US" sz="1000" b="1" dirty="0" smtClean="0">
+                <a:solidFill>
+                  <a:schemeClr val="bg1"/>
+                </a:solidFill>
+              </a:rPr>
+              <a:t>Meet Eugenia</a:t>
+            </a:r>
+            <a:endParaRPr lang="en-US" sz="1000" dirty="0"/>
+          </a:p>
+        </p:txBody>
+      </p:sp>
+      <p:sp>
+        <p:nvSpPr>
+          <p:cNvPr id="15" name="Rectangle 14"/>
+          <p:cNvSpPr/>
+          <p:nvPr/>
+        </p:nvSpPr>
+        <p:spPr>
+          <a:xfrm>
+            <a:off x="2585986" y="4006334"/>
+            <a:ext cx="800219" cy="246221"/>
+          </a:xfrm>
+          <a:prstGeom prst="rect">
+            <a:avLst/>
+          </a:prstGeom>
+        </p:spPr>
+        <p:txBody>
+          <a:bodyPr wrap="none">
+            <a:spAutoFit/>
+          </a:bodyPr>
+          <a:lstStyle/>
+          <a:p>
+            <a:r>
+              <a:rPr lang="en-US" sz="1000" b="1" dirty="0" smtClean="0">
+                <a:solidFill>
+                  <a:schemeClr val="bg1"/>
+                </a:solidFill>
+              </a:rPr>
+              <a:t>Meet Oscar</a:t>
+            </a:r>
+            <a:endParaRPr lang="en-US" sz="1000" dirty="0"/>
+          </a:p>
+        </p:txBody>
+      </p:sp>
+      <p:sp>
+        <p:nvSpPr>
+          <p:cNvPr id="16" name="Rectangle 15"/>
+          <p:cNvSpPr/>
+          <p:nvPr/>
+        </p:nvSpPr>
+        <p:spPr>
+          <a:xfrm>
+            <a:off x="3461310" y="4006334"/>
+            <a:ext cx="843463" cy="246221"/>
+          </a:xfrm>
+          <a:prstGeom prst="rect">
+            <a:avLst/>
+          </a:prstGeom>
+        </p:spPr>
+        <p:txBody>
+          <a:bodyPr wrap="none">
+            <a:spAutoFit/>
+          </a:bodyPr>
+          <a:lstStyle/>
+          <a:p>
+            <a:r>
+              <a:rPr lang="en-US" sz="1000" b="1" dirty="0" smtClean="0">
+                <a:solidFill>
+                  <a:schemeClr val="bg1"/>
+                </a:solidFill>
+              </a:rPr>
+              <a:t>Meet Nelida</a:t>
             </a:r>
             <a:endParaRPr lang="en-US" sz="1000" dirty="0"/>
           </a:p>
@@ -3687,7 +4315,393 @@
     </p:spTree>
     <p:extLst>
       <p:ext uri="{BB962C8B-B14F-4D97-AF65-F5344CB8AC3E}">
-        <p14:creationId xmlns:p14="http://schemas.microsoft.com/office/powerpoint/2010/main" val="919283881"/>
+        <p14:creationId xmlns:p14="http://schemas.microsoft.com/office/powerpoint/2010/main" val="2399427082"/>
+      </p:ext>
+    </p:extLst>
+  </p:cSld>
+  <p:clrMapOvr>
+    <a:masterClrMapping/>
+  </p:clrMapOvr>
+  <p:timing>
+    <p:tnLst>
+      <p:par>
+        <p:cTn xmlns:p14="http://schemas.microsoft.com/office/powerpoint/2010/main" id="1" dur="indefinite" restart="never" nodeType="tmRoot"/>
+      </p:par>
+    </p:tnLst>
+  </p:timing>
+</p:sld>
+</file>
+
+<file path=ppt/slides/slide3.xml><?xml version="1.0" encoding="utf-8"?>
+<p:sld xmlns:a="http://schemas.openxmlformats.org/drawingml/2006/main" xmlns:r="http://schemas.openxmlformats.org/officeDocument/2006/relationships" xmlns:p="http://schemas.openxmlformats.org/presentationml/2006/main">
+  <p:cSld>
+    <p:spTree>
+      <p:nvGrpSpPr>
+        <p:cNvPr id="1" name=""/>
+        <p:cNvGrpSpPr/>
+        <p:nvPr/>
+      </p:nvGrpSpPr>
+      <p:grpSpPr>
+        <a:xfrm>
+          <a:off x="0" y="0"/>
+          <a:ext cx="0" cy="0"/>
+          <a:chOff x="0" y="0"/>
+          <a:chExt cx="0" cy="0"/>
+        </a:xfrm>
+      </p:grpSpPr>
+      <p:pic>
+        <p:nvPicPr>
+          <p:cNvPr id="4" name="Picture 3"/>
+          <p:cNvPicPr>
+            <a:picLocks noChangeAspect="1"/>
+          </p:cNvPicPr>
+          <p:nvPr/>
+        </p:nvPicPr>
+        <p:blipFill>
+          <a:blip r:embed="rId2"/>
+          <a:stretch>
+            <a:fillRect/>
+          </a:stretch>
+        </p:blipFill>
+        <p:spPr>
+          <a:xfrm>
+            <a:off x="5070592" y="218266"/>
+            <a:ext cx="3718005" cy="2480606"/>
+          </a:xfrm>
+          <a:prstGeom prst="rect">
+            <a:avLst/>
+          </a:prstGeom>
+        </p:spPr>
+      </p:pic>
+      <p:sp>
+        <p:nvSpPr>
+          <p:cNvPr id="5" name="Rectangle 4"/>
+          <p:cNvSpPr/>
+          <p:nvPr/>
+        </p:nvSpPr>
+        <p:spPr>
+          <a:xfrm>
+            <a:off x="5070592" y="2742837"/>
+            <a:ext cx="3044423" cy="276999"/>
+          </a:xfrm>
+          <a:prstGeom prst="rect">
+            <a:avLst/>
+          </a:prstGeom>
+        </p:spPr>
+        <p:txBody>
+          <a:bodyPr wrap="none">
+            <a:spAutoFit/>
+          </a:bodyPr>
+          <a:lstStyle/>
+          <a:p>
+            <a:r>
+              <a:rPr lang="en-US" sz="1200" dirty="0"/>
+              <a:t>http://</a:t>
+            </a:r>
+            <a:r>
+              <a:rPr lang="en-US" sz="1200" dirty="0" err="1"/>
+              <a:t>www.geograph.org.uk</a:t>
+            </a:r>
+            <a:r>
+              <a:rPr lang="en-US" sz="1200" dirty="0"/>
+              <a:t>/photo/2406841</a:t>
+            </a:r>
+          </a:p>
+        </p:txBody>
+      </p:sp>
+      <p:pic>
+        <p:nvPicPr>
+          <p:cNvPr id="6" name="Picture 5"/>
+          <p:cNvPicPr>
+            <a:picLocks noChangeAspect="1"/>
+          </p:cNvPicPr>
+          <p:nvPr/>
+        </p:nvPicPr>
+        <p:blipFill>
+          <a:blip r:embed="rId3"/>
+          <a:stretch>
+            <a:fillRect/>
+          </a:stretch>
+        </p:blipFill>
+        <p:spPr>
+          <a:xfrm>
+            <a:off x="5230518" y="3127885"/>
+            <a:ext cx="3384587" cy="2249340"/>
+          </a:xfrm>
+          <a:prstGeom prst="rect">
+            <a:avLst/>
+          </a:prstGeom>
+        </p:spPr>
+      </p:pic>
+      <p:sp>
+        <p:nvSpPr>
+          <p:cNvPr id="7" name="Rectangle 6"/>
+          <p:cNvSpPr/>
+          <p:nvPr/>
+        </p:nvSpPr>
+        <p:spPr>
+          <a:xfrm>
+            <a:off x="5230518" y="5446846"/>
+            <a:ext cx="3301999" cy="400110"/>
+          </a:xfrm>
+          <a:prstGeom prst="rect">
+            <a:avLst/>
+          </a:prstGeom>
+        </p:spPr>
+        <p:txBody>
+          <a:bodyPr wrap="square">
+            <a:spAutoFit/>
+          </a:bodyPr>
+          <a:lstStyle/>
+          <a:p>
+            <a:r>
+              <a:rPr lang="en-US" sz="1000" dirty="0"/>
+              <a:t>http://</a:t>
+            </a:r>
+            <a:r>
+              <a:rPr lang="en-US" sz="1000" dirty="0" err="1"/>
+              <a:t>www.ashleybridget.com</a:t>
+            </a:r>
+            <a:r>
+              <a:rPr lang="en-US" sz="1000" dirty="0"/>
+              <a:t>/blogs/lifestyle/10354285-helping-others-is-helping-yourself</a:t>
+            </a:r>
+          </a:p>
+        </p:txBody>
+      </p:sp>
+      <p:pic>
+        <p:nvPicPr>
+          <p:cNvPr id="8" name="Picture 7"/>
+          <p:cNvPicPr>
+            <a:picLocks noChangeAspect="1"/>
+          </p:cNvPicPr>
+          <p:nvPr/>
+        </p:nvPicPr>
+        <p:blipFill>
+          <a:blip r:embed="rId4"/>
+          <a:stretch>
+            <a:fillRect/>
+          </a:stretch>
+        </p:blipFill>
+        <p:spPr>
+          <a:xfrm>
+            <a:off x="1914114" y="218266"/>
+            <a:ext cx="2645186" cy="3531840"/>
+          </a:xfrm>
+          <a:prstGeom prst="rect">
+            <a:avLst/>
+          </a:prstGeom>
+        </p:spPr>
+      </p:pic>
+      <p:sp>
+        <p:nvSpPr>
+          <p:cNvPr id="9" name="Rectangle 8"/>
+          <p:cNvSpPr/>
+          <p:nvPr/>
+        </p:nvSpPr>
+        <p:spPr>
+          <a:xfrm>
+            <a:off x="385704" y="358872"/>
+            <a:ext cx="1721555" cy="1015663"/>
+          </a:xfrm>
+          <a:prstGeom prst="rect">
+            <a:avLst/>
+          </a:prstGeom>
+        </p:spPr>
+        <p:txBody>
+          <a:bodyPr wrap="square">
+            <a:spAutoFit/>
+          </a:bodyPr>
+          <a:lstStyle/>
+          <a:p>
+            <a:r>
+              <a:rPr lang="en-US" sz="1200" dirty="0"/>
+              <a:t>http://</a:t>
+            </a:r>
+            <a:r>
+              <a:rPr lang="en-US" sz="1200" dirty="0" err="1"/>
+              <a:t>www.montanainstitute.com</a:t>
+            </a:r>
+            <a:r>
+              <a:rPr lang="en-US" sz="1200" dirty="0"/>
+              <a:t>/blog/2014/9/7/helping-others-helps-you</a:t>
+            </a:r>
+          </a:p>
+        </p:txBody>
+      </p:sp>
+      <p:pic>
+        <p:nvPicPr>
+          <p:cNvPr id="10" name="Picture 9"/>
+          <p:cNvPicPr>
+            <a:picLocks noChangeAspect="1"/>
+          </p:cNvPicPr>
+          <p:nvPr/>
+        </p:nvPicPr>
+        <p:blipFill>
+          <a:blip r:embed="rId5"/>
+          <a:stretch>
+            <a:fillRect/>
+          </a:stretch>
+        </p:blipFill>
+        <p:spPr>
+          <a:xfrm>
+            <a:off x="385704" y="4219222"/>
+            <a:ext cx="4038600" cy="2019300"/>
+          </a:xfrm>
+          <a:prstGeom prst="rect">
+            <a:avLst/>
+          </a:prstGeom>
+        </p:spPr>
+      </p:pic>
+      <p:sp>
+        <p:nvSpPr>
+          <p:cNvPr id="11" name="Rectangle 10"/>
+          <p:cNvSpPr/>
+          <p:nvPr/>
+        </p:nvSpPr>
+        <p:spPr>
+          <a:xfrm>
+            <a:off x="263408" y="6211669"/>
+            <a:ext cx="4572000" cy="246221"/>
+          </a:xfrm>
+          <a:prstGeom prst="rect">
+            <a:avLst/>
+          </a:prstGeom>
+        </p:spPr>
+        <p:txBody>
+          <a:bodyPr>
+            <a:spAutoFit/>
+          </a:bodyPr>
+          <a:lstStyle/>
+          <a:p>
+            <a:r>
+              <a:rPr lang="en-US" sz="1000" dirty="0"/>
+              <a:t>http://</a:t>
+            </a:r>
+            <a:r>
+              <a:rPr lang="en-US" sz="1000" dirty="0" err="1"/>
+              <a:t>www.livebold.org</a:t>
+            </a:r>
+            <a:r>
+              <a:rPr lang="en-US" sz="1000" dirty="0"/>
+              <a:t>/helping-others-finish-strong/</a:t>
+            </a:r>
+          </a:p>
+        </p:txBody>
+      </p:sp>
+    </p:spTree>
+    <p:extLst>
+      <p:ext uri="{BB962C8B-B14F-4D97-AF65-F5344CB8AC3E}">
+        <p14:creationId xmlns:p14="http://schemas.microsoft.com/office/powerpoint/2010/main" val="2556955610"/>
+      </p:ext>
+    </p:extLst>
+  </p:cSld>
+  <p:clrMapOvr>
+    <a:masterClrMapping/>
+  </p:clrMapOvr>
+</p:sld>
+</file>
+
+<file path=ppt/slides/slide4.xml><?xml version="1.0" encoding="utf-8"?>
+<p:sld xmlns:a="http://schemas.openxmlformats.org/drawingml/2006/main" xmlns:r="http://schemas.openxmlformats.org/officeDocument/2006/relationships" xmlns:p="http://schemas.openxmlformats.org/presentationml/2006/main">
+  <p:cSld>
+    <p:spTree>
+      <p:nvGrpSpPr>
+        <p:cNvPr id="1" name=""/>
+        <p:cNvGrpSpPr/>
+        <p:nvPr/>
+      </p:nvGrpSpPr>
+      <p:grpSpPr>
+        <a:xfrm>
+          <a:off x="0" y="0"/>
+          <a:ext cx="0" cy="0"/>
+          <a:chOff x="0" y="0"/>
+          <a:chExt cx="0" cy="0"/>
+        </a:xfrm>
+      </p:grpSpPr>
+      <p:sp>
+        <p:nvSpPr>
+          <p:cNvPr id="2" name="Title 1"/>
+          <p:cNvSpPr>
+            <a:spLocks noGrp="1"/>
+          </p:cNvSpPr>
+          <p:nvPr>
+            <p:ph type="title"/>
+          </p:nvPr>
+        </p:nvSpPr>
+        <p:spPr/>
+        <p:txBody>
+          <a:bodyPr/>
+          <a:lstStyle/>
+          <a:p>
+            <a:endParaRPr lang="en-US"/>
+          </a:p>
+        </p:txBody>
+      </p:sp>
+      <p:pic>
+        <p:nvPicPr>
+          <p:cNvPr id="4" name="Picture 3"/>
+          <p:cNvPicPr>
+            <a:picLocks noChangeAspect="1"/>
+          </p:cNvPicPr>
+          <p:nvPr/>
+        </p:nvPicPr>
+        <p:blipFill>
+          <a:blip r:embed="rId2"/>
+          <a:stretch>
+            <a:fillRect/>
+          </a:stretch>
+        </p:blipFill>
+        <p:spPr>
+          <a:xfrm>
+            <a:off x="599722" y="3706519"/>
+            <a:ext cx="4214318" cy="2500019"/>
+          </a:xfrm>
+          <a:prstGeom prst="rect">
+            <a:avLst/>
+          </a:prstGeom>
+        </p:spPr>
+      </p:pic>
+      <p:sp>
+        <p:nvSpPr>
+          <p:cNvPr id="5" name="Rectangle 4"/>
+          <p:cNvSpPr/>
+          <p:nvPr/>
+        </p:nvSpPr>
+        <p:spPr>
+          <a:xfrm>
+            <a:off x="599722" y="6211669"/>
+            <a:ext cx="4572000" cy="646331"/>
+          </a:xfrm>
+          <a:prstGeom prst="rect">
+            <a:avLst/>
+          </a:prstGeom>
+        </p:spPr>
+        <p:txBody>
+          <a:bodyPr>
+            <a:spAutoFit/>
+          </a:bodyPr>
+          <a:lstStyle/>
+          <a:p>
+            <a:r>
+              <a:rPr lang="en-US" sz="1200" dirty="0"/>
+              <a:t>http://</a:t>
+            </a:r>
+            <a:r>
+              <a:rPr lang="en-US" sz="1200" dirty="0" err="1"/>
+              <a:t>www.express.co.uk</a:t>
+            </a:r>
+            <a:r>
+              <a:rPr lang="en-US" sz="1200" dirty="0"/>
+              <a:t>/life-style/life/462805/Tesco-Mum-Of-The-Year-winner-on-helping-children-cope-with-cancer-through-art-therapy</a:t>
+            </a:r>
+          </a:p>
+        </p:txBody>
+      </p:sp>
+    </p:spTree>
+    <p:extLst>
+      <p:ext uri="{BB962C8B-B14F-4D97-AF65-F5344CB8AC3E}">
+        <p14:creationId xmlns:p14="http://schemas.microsoft.com/office/powerpoint/2010/main" val="1762179570"/>
       </p:ext>
     </p:extLst>
   </p:cSld>
